--- a/outline_beginner.pptx
+++ b/outline_beginner.pptx
@@ -3204,11 +3204,7 @@
           <a:p>
             <a:r>
               <a:rPr lang="en-GB" dirty="0" smtClean="0"/>
-              <a:t>Beginner (KS2</a:t>
-            </a:r>
-            <a:r>
-              <a:rPr lang="en-GB" dirty="0" smtClean="0"/>
-              <a:t>) version</a:t>
+              <a:t>Beginner (KS2) version</a:t>
             </a:r>
             <a:endParaRPr lang="en-GB" dirty="0"/>
           </a:p>
@@ -8156,28 +8152,12 @@
           <a:p>
             <a:pPr algn="ctr"/>
             <a:r>
-              <a:rPr lang="en-GB" sz="1400" dirty="0" smtClean="0">
-                <a:solidFill>
-                  <a:sysClr val="windowText" lastClr="000000"/>
-                </a:solidFill>
-              </a:rPr>
-              <a:t>Satell</a:t>
-            </a:r>
-            <a:r>
               <a:rPr lang="en-GB" sz="1400" b="1" dirty="0" smtClean="0">
                 <a:solidFill>
                   <a:sysClr val="windowText" lastClr="000000"/>
                 </a:solidFill>
               </a:rPr>
-              <a:t>i</a:t>
-            </a:r>
-            <a:r>
-              <a:rPr lang="en-GB" sz="1400" dirty="0" smtClean="0">
-                <a:solidFill>
-                  <a:sysClr val="windowText" lastClr="000000"/>
-                </a:solidFill>
-              </a:rPr>
-              <a:t>te TV</a:t>
+              <a:t>Satellite TV</a:t>
             </a:r>
           </a:p>
           <a:p>
@@ -9152,23 +9132,7 @@
                   <a:srgbClr val="FF0000"/>
                 </a:solidFill>
               </a:rPr>
-              <a:t>Not used for </a:t>
-            </a:r>
-            <a:r>
-              <a:rPr lang="en-GB" dirty="0" smtClean="0">
-                <a:solidFill>
-                  <a:srgbClr val="FF0000"/>
-                </a:solidFill>
-              </a:rPr>
-              <a:t>beginner– </a:t>
-            </a:r>
-            <a:r>
-              <a:rPr lang="en-GB" dirty="0" smtClean="0">
-                <a:solidFill>
-                  <a:srgbClr val="FF0000"/>
-                </a:solidFill>
-              </a:rPr>
-              <a:t>size is dictated by goal/objectives</a:t>
+              <a:t>Not used for beginner– size is dictated by goal/objectives</a:t>
             </a:r>
             <a:endParaRPr lang="en-GB" dirty="0">
               <a:solidFill>
@@ -9263,6 +9227,17 @@
               </a:rPr>
               <a:t>beginner</a:t>
             </a:r>
+          </a:p>
+          <a:p>
+            <a:pPr algn="ctr"/>
+            <a:r>
+              <a:rPr lang="en-GB" dirty="0" smtClean="0">
+                <a:solidFill>
+                  <a:srgbClr val="FF0000"/>
+                </a:solidFill>
+              </a:rPr>
+              <a:t>Orbit assumed to be LEO</a:t>
+            </a:r>
             <a:endParaRPr lang="en-GB" dirty="0">
               <a:solidFill>
                 <a:srgbClr val="FF0000"/>
@@ -9625,7 +9600,15 @@
                   <a:srgbClr val="FF0000"/>
                 </a:solidFill>
               </a:rPr>
-              <a:t>Check boxes automatically checked when completed.</a:t>
+              <a:t>Ticked automatically </a:t>
+            </a:r>
+            <a:r>
+              <a:rPr lang="en-GB" sz="1000" dirty="0" smtClean="0">
+                <a:solidFill>
+                  <a:srgbClr val="FF0000"/>
+                </a:solidFill>
+              </a:rPr>
+              <a:t>checked when completed.</a:t>
             </a:r>
           </a:p>
         </p:txBody>
@@ -12293,36 +12276,6 @@
             <a:r>
               <a:rPr lang="en-GB" dirty="0" smtClean="0"/>
               <a:t>Solar panels:</a:t>
-            </a:r>
-            <a:endParaRPr lang="en-GB" dirty="0"/>
-          </a:p>
-        </p:txBody>
-      </p:sp>
-      <p:sp>
-        <p:nvSpPr>
-          <p:cNvPr id="28" name="TextBox 27"/>
-          <p:cNvSpPr txBox="1"/>
-          <p:nvPr/>
-        </p:nvSpPr>
-        <p:spPr>
-          <a:xfrm>
-            <a:off x="1310217" y="4548594"/>
-            <a:ext cx="1434094" cy="369332"/>
-          </a:xfrm>
-          <a:prstGeom prst="rect">
-            <a:avLst/>
-          </a:prstGeom>
-          <a:noFill/>
-        </p:spPr>
-        <p:txBody>
-          <a:bodyPr wrap="square" rtlCol="0">
-            <a:spAutoFit/>
-          </a:bodyPr>
-          <a:lstStyle/>
-          <a:p>
-            <a:r>
-              <a:rPr lang="en-GB" dirty="0" smtClean="0"/>
-              <a:t>Cost: ₴100  </a:t>
             </a:r>
             <a:endParaRPr lang="en-GB" dirty="0"/>
           </a:p>
